--- a/lezingen/basiskennis aquarium houden/Basiskennis aquarium.pptx
+++ b/lezingen/basiskennis aquarium houden/Basiskennis aquarium.pptx
@@ -229,7 +229,7 @@
           <a:p>
             <a:fld id="{078DDDEA-63BC-40A0-8BC0-D6413F38691F}" type="datetimeFigureOut">
               <a:rPr lang="en-US" smtClean="0"/>
-              <a:t>1/29/2024</a:t>
+              <a:t>1/30/2024</a:t>
             </a:fld>
             <a:endParaRPr lang="en-US" dirty="0"/>
           </a:p>
@@ -734,7 +734,7 @@
           <a:p>
             <a:fld id="{ED291B17-9318-49DB-B28B-6E5994AE9581}" type="datetime1">
               <a:rPr lang="en-US" smtClean="0"/>
-              <a:t>1/29/2024</a:t>
+              <a:t>1/30/2024</a:t>
             </a:fld>
             <a:endParaRPr lang="en-US" dirty="0"/>
           </a:p>
@@ -932,7 +932,7 @@
           <a:p>
             <a:fld id="{78DD82B9-B8EE-4375-B6FF-88FA6ABB15D9}" type="datetime1">
               <a:rPr lang="en-US" smtClean="0"/>
-              <a:t>1/29/2024</a:t>
+              <a:t>1/30/2024</a:t>
             </a:fld>
             <a:endParaRPr lang="en-US" dirty="0"/>
           </a:p>
@@ -1244,7 +1244,7 @@
           <a:p>
             <a:fld id="{B2497495-0637-405E-AE64-5CC7506D51F5}" type="datetime1">
               <a:rPr lang="en-US" smtClean="0"/>
-              <a:t>1/29/2024</a:t>
+              <a:t>1/30/2024</a:t>
             </a:fld>
             <a:endParaRPr lang="en-US" dirty="0"/>
           </a:p>
@@ -1497,7 +1497,7 @@
           <a:p>
             <a:fld id="{7BFFD690-9426-415D-8B65-26881E07B2D4}" type="datetime1">
               <a:rPr lang="en-US" smtClean="0"/>
-              <a:t>1/29/2024</a:t>
+              <a:t>1/30/2024</a:t>
             </a:fld>
             <a:endParaRPr lang="en-US" dirty="0"/>
           </a:p>
@@ -1919,7 +1919,7 @@
           <a:p>
             <a:fld id="{04C4989A-474C-40DE-95B9-011C28B71673}" type="datetime1">
               <a:rPr lang="en-US" smtClean="0"/>
-              <a:t>1/29/2024</a:t>
+              <a:t>1/30/2024</a:t>
             </a:fld>
             <a:endParaRPr lang="en-US" dirty="0"/>
           </a:p>
@@ -2042,7 +2042,7 @@
           <a:p>
             <a:fld id="{5DB4ED54-5B5E-4A04-93D3-5772E3CE3818}" type="datetime1">
               <a:rPr lang="en-US" smtClean="0"/>
-              <a:t>1/29/2024</a:t>
+              <a:t>1/30/2024</a:t>
             </a:fld>
             <a:endParaRPr lang="en-US" dirty="0"/>
           </a:p>
@@ -2137,7 +2137,7 @@
           <a:p>
             <a:fld id="{4EDE50D6-574B-40AF-946F-D52A04ADE379}" type="datetime1">
               <a:rPr lang="en-US" smtClean="0"/>
-              <a:t>1/29/2024</a:t>
+              <a:t>1/30/2024</a:t>
             </a:fld>
             <a:endParaRPr lang="en-US" dirty="0"/>
           </a:p>
@@ -2514,7 +2514,7 @@
           <a:p>
             <a:fld id="{D82884F1-FFEA-405F-9602-3DCA865EDA4E}" type="datetime1">
               <a:rPr lang="en-US" smtClean="0"/>
-              <a:t>1/29/2024</a:t>
+              <a:t>1/30/2024</a:t>
             </a:fld>
             <a:endParaRPr lang="en-US" dirty="0"/>
           </a:p>
@@ -2806,7 +2806,7 @@
           <a:p>
             <a:fld id="{7E18DB4A-8810-4A10-AD5C-D5E2C667F5B3}" type="datetime1">
               <a:rPr lang="en-US" smtClean="0"/>
-              <a:t>1/29/2024</a:t>
+              <a:t>1/30/2024</a:t>
             </a:fld>
             <a:endParaRPr lang="en-US" dirty="0"/>
           </a:p>
@@ -3021,7 +3021,7 @@
           <a:p>
             <a:fld id="{ED291B17-9318-49DB-B28B-6E5994AE9581}" type="datetime1">
               <a:rPr lang="en-US" smtClean="0"/>
-              <a:t>1/29/2024</a:t>
+              <a:t>1/30/2024</a:t>
             </a:fld>
             <a:endParaRPr lang="en-US" dirty="0"/>
           </a:p>
@@ -3901,16 +3901,12 @@
           <a:lstStyle/>
           <a:p>
             <a:r>
-              <a:rPr lang="nl-NL"/>
-              <a:t>Aquarium </a:t>
-            </a:r>
-            <a:r>
-              <a:rPr lang="nl-NL" dirty="0"/>
-              <a:t>Marc </a:t>
+              <a:rPr lang="nl-NL" dirty="0"/>
+              <a:t>Aquarium Marc </a:t>
             </a:r>
             <a:r>
               <a:rPr lang="nl-NL" dirty="0" err="1"/>
-              <a:t>hoelandt</a:t>
+              <a:t>Hoelandt</a:t>
             </a:r>
             <a:endParaRPr lang="en-US" dirty="0"/>
           </a:p>
@@ -4140,7 +4136,7 @@
         </p:spPr>
         <p:txBody>
           <a:bodyPr>
-            <a:normAutofit fontScale="77500" lnSpcReduction="20000"/>
+            <a:normAutofit fontScale="70000" lnSpcReduction="20000"/>
           </a:bodyPr>
           <a:lstStyle/>
           <a:p>
@@ -4179,8 +4175,14 @@
             </a:pPr>
             <a:r>
               <a:rPr lang="nl-NL" sz="2300" dirty="0"/>
-              <a:t>Als je regelmatig planten moet kopen omdat je planten verslijmen dan groeien je planten dus niet . Een goed groeiende plantengroei is van belang voor je aquarium. Naast dat dit mooi is wordt de natuurlijke balans  in het aquarium bereikt. Bij grote verstoring zal je blij worden verrast met alg plaag. Je planten groeien goed als je de echte waterplanten (die dus omvallen) bijna elke week moet snoeien. Om dit probleem ter verhelpen gaan we terug na de koolstof kringloop formule</a:t>
-            </a:r>
+              <a:t>Als je regelmatig planten moet kopen omdat je planten verslijmen dan groeien je planten dus niet . Een goed groeiende plantengroei is van belang voor je aquarium. Naast dat dit mooi is wordt de natuurlijke balans  in het aquarium bereikt. Bij grote verstoring zal je blij worden verrast met prachtige alg plaag. Je planten groeien pas goed als je de echte waterplanten (die dus omvallen) bijna elke week moet snoeien. Om dit probleem ter verhelpen gaan we terug na de koolstof kringloop formule</a:t>
+            </a:r>
+          </a:p>
+          <a:p>
+            <a:pPr marL="0" indent="0">
+              <a:buNone/>
+            </a:pPr>
+            <a:endParaRPr lang="nl-NL" sz="2300" dirty="0"/>
           </a:p>
           <a:p>
             <a:pPr marL="0" indent="0" algn="ctr">
@@ -4331,40 +4333,6 @@
               </a:rPr>
               <a:t>Deze formule is geeft het antwoord op  slechte planten groei</a:t>
             </a:r>
-          </a:p>
-          <a:p>
-            <a:pPr marL="0" indent="0">
-              <a:buNone/>
-            </a:pPr>
-            <a:endParaRPr lang="nl-NL" sz="2300" dirty="0">
-              <a:solidFill>
-                <a:schemeClr val="tx1"/>
-              </a:solidFill>
-            </a:endParaRPr>
-          </a:p>
-          <a:p>
-            <a:pPr marL="0" indent="0">
-              <a:buNone/>
-            </a:pPr>
-            <a:endParaRPr lang="nl-NL" sz="2300" dirty="0"/>
-          </a:p>
-          <a:p>
-            <a:pPr marL="0" indent="0">
-              <a:buNone/>
-            </a:pPr>
-            <a:endParaRPr lang="nl-NL" dirty="0"/>
-          </a:p>
-          <a:p>
-            <a:pPr marL="0" indent="0">
-              <a:buNone/>
-            </a:pPr>
-            <a:endParaRPr lang="nl-NL" dirty="0"/>
-          </a:p>
-          <a:p>
-            <a:pPr marL="0" indent="0">
-              <a:buNone/>
-            </a:pPr>
-            <a:endParaRPr lang="nl-NL" dirty="0"/>
           </a:p>
           <a:p>
             <a:pPr marL="0" indent="0">
@@ -4420,7 +4388,7 @@
         </p:blipFill>
         <p:spPr>
           <a:xfrm>
-            <a:off x="5667082" y="3185471"/>
+            <a:off x="5711470" y="3777787"/>
             <a:ext cx="592316" cy="592316"/>
           </a:xfrm>
           <a:prstGeom prst="rect">
@@ -4849,7 +4817,7 @@
                   <a:schemeClr val="tx1"/>
                 </a:solidFill>
               </a:rPr>
-              <a:t>Je kunt dus eigenlijk twee problemen hebben namelijk  koolzuurgas gebrek of licht(niet genoeg/verkeerde keuze)</a:t>
+              <a:t>Je kunt dus eigenlijk twee problemen hebben. Namelijk  koolzuurgas gebrek of licht(niet genoeg/verkeerde keuze)</a:t>
             </a:r>
           </a:p>
           <a:p>
@@ -5230,6 +5198,22 @@
             </a:r>
             <a:r>
               <a:rPr lang="en-US" dirty="0"/>
+              <a:t> </a:t>
+            </a:r>
+            <a:r>
+              <a:rPr lang="en-US" dirty="0" err="1"/>
+              <a:t>geen</a:t>
+            </a:r>
+            <a:r>
+              <a:rPr lang="en-US" dirty="0"/>
+              <a:t> alg </a:t>
+            </a:r>
+            <a:r>
+              <a:rPr lang="en-US" dirty="0" err="1"/>
+              <a:t>en</a:t>
+            </a:r>
+            <a:r>
+              <a:rPr lang="en-US" dirty="0"/>
               <a:t> is </a:t>
             </a:r>
             <a:r>
@@ -5304,14 +5288,72 @@
             </a:r>
             <a:r>
               <a:rPr lang="en-US" dirty="0"/>
-              <a:t>).</a:t>
-            </a:r>
-          </a:p>
-          <a:p>
-            <a:pPr marL="0" indent="0">
-              <a:buNone/>
-            </a:pPr>
-            <a:endParaRPr lang="en-US" dirty="0"/>
+              <a:t>). </a:t>
+            </a:r>
+            <a:r>
+              <a:rPr lang="en-US" dirty="0" err="1"/>
+              <a:t>Bij</a:t>
+            </a:r>
+            <a:r>
+              <a:rPr lang="en-US" dirty="0"/>
+              <a:t> de </a:t>
+            </a:r>
+            <a:r>
+              <a:rPr lang="en-US" dirty="0" err="1"/>
+              <a:t>visbeurs</a:t>
+            </a:r>
+            <a:r>
+              <a:rPr lang="en-US" dirty="0"/>
+              <a:t> </a:t>
+            </a:r>
+            <a:r>
+              <a:rPr lang="en-US" dirty="0" err="1"/>
+              <a:t>zijn</a:t>
+            </a:r>
+            <a:r>
+              <a:rPr lang="en-US" dirty="0"/>
+              <a:t> </a:t>
+            </a:r>
+            <a:r>
+              <a:rPr lang="en-US" dirty="0" err="1"/>
+              <a:t>pillen</a:t>
+            </a:r>
+            <a:r>
+              <a:rPr lang="en-US" dirty="0"/>
+              <a:t> </a:t>
+            </a:r>
+            <a:r>
+              <a:rPr lang="en-US" dirty="0" err="1"/>
+              <a:t>tegen</a:t>
+            </a:r>
+            <a:r>
+              <a:rPr lang="en-US" dirty="0"/>
+              <a:t> </a:t>
+            </a:r>
+            <a:r>
+              <a:rPr lang="en-US" dirty="0" err="1"/>
+              <a:t>blauwalg</a:t>
+            </a:r>
+            <a:r>
+              <a:rPr lang="en-US" dirty="0"/>
+              <a:t> </a:t>
+            </a:r>
+            <a:r>
+              <a:rPr lang="en-US" dirty="0" err="1"/>
+              <a:t>te</a:t>
+            </a:r>
+            <a:r>
+              <a:rPr lang="en-US" dirty="0"/>
+              <a:t> </a:t>
+            </a:r>
+            <a:r>
+              <a:rPr lang="en-US" dirty="0" err="1"/>
+              <a:t>koop</a:t>
+            </a:r>
+            <a:r>
+              <a:rPr lang="en-US" dirty="0"/>
+              <a:t>.</a:t>
+            </a:r>
           </a:p>
           <a:p>
             <a:pPr marL="0" indent="0">
@@ -5951,7 +5993,7 @@
             </a:pPr>
             <a:r>
               <a:rPr lang="nl-NL" dirty="0"/>
-              <a:t>Wil het versnellen dan kun overwegen om en UVC lamp te gebruiken</a:t>
+              <a:t>Wil het versnellen dan kun overwegen om en UVC lamp te gebruiken.</a:t>
             </a:r>
             <a:endParaRPr lang="en-US" dirty="0"/>
           </a:p>
@@ -6668,27 +6710,7 @@
                 <a:effectLst/>
                 <a:latin typeface="Helvetica Neue"/>
               </a:rPr>
-              <a:t>Weg</a:t>
-            </a:r>
-            <a:r>
-              <a:rPr lang="en-US" i="0" dirty="0">
-                <a:solidFill>
-                  <a:schemeClr val="tx1"/>
-                </a:solidFill>
-                <a:effectLst/>
-                <a:latin typeface="Helvetica Neue"/>
-              </a:rPr>
-              <a:t> </a:t>
-            </a:r>
-            <a:r>
-              <a:rPr lang="en-US" i="0" dirty="0" err="1">
-                <a:solidFill>
-                  <a:schemeClr val="tx1"/>
-                </a:solidFill>
-                <a:effectLst/>
-                <a:latin typeface="Helvetica Neue"/>
-              </a:rPr>
-              <a:t>gooi</a:t>
+              <a:t>Weggooi</a:t>
             </a:r>
             <a:r>
               <a:rPr lang="en-US" i="0" dirty="0">
@@ -7231,6 +7253,14 @@
             </a:r>
             <a:r>
               <a:rPr lang="en-US" dirty="0"/>
+              <a:t> </a:t>
+            </a:r>
+            <a:r>
+              <a:rPr lang="en-US" dirty="0" err="1"/>
+              <a:t>goed</a:t>
+            </a:r>
+            <a:r>
+              <a:rPr lang="en-US" dirty="0"/>
               <a:t> op </a:t>
             </a:r>
             <a:r>
@@ -7468,7 +7498,16 @@
             </a:r>
             <a:r>
               <a:rPr lang="nl-NL" dirty="0"/>
-              <a:t> toevoegt , wanneer de bel dof wordt is het uitgewerkt</a:t>
+              <a:t> toevoegt , wanneer de bel dof wordt is het uitgewerkt.</a:t>
+            </a:r>
+          </a:p>
+          <a:p>
+            <a:pPr marL="0" indent="0">
+              <a:buNone/>
+            </a:pPr>
+            <a:r>
+              <a:rPr lang="nl-NL" dirty="0"/>
+              <a:t>Bij deze methode gaat je PH vanzelf richting de neutrale waarde (de uitwisseling wordt niet geforceerd )</a:t>
             </a:r>
             <a:endParaRPr lang="en-US" dirty="0"/>
           </a:p>
@@ -7761,7 +7800,7 @@
             </a:pPr>
             <a:r>
               <a:rPr lang="nl-NL" dirty="0"/>
-              <a:t>Voordeel  je ph waarde wordt automatisch geregeld. </a:t>
+              <a:t>Voordeel  je Ph waarde wordt nu automatisch geregeld. </a:t>
             </a:r>
           </a:p>
           <a:p>
@@ -8424,7 +8463,7 @@
             </a:pPr>
             <a:r>
               <a:rPr lang="nl-NL" dirty="0"/>
-              <a:t>Wanneer je KH waarde niet naar beneden krijgt, controleer de spullen die je gebruikt hebt voor de inrichting</a:t>
+              <a:t>Wanneer je KH waarde niet naar beneden krijgt, controleer dan de spullen die je gebruikt hebt voor de inrichting</a:t>
             </a:r>
           </a:p>
           <a:p>
@@ -9129,11 +9168,11 @@
             </a:r>
             <a:r>
               <a:rPr lang="nl-NL" dirty="0"/>
-              <a:t> (slijmhuid beschadigd meestal bij slechte over </a:t>
+              <a:t> (slijmhuid beschadigd meestal bij slechte </a:t>
             </a:r>
             <a:r>
               <a:rPr lang="nl-NL" dirty="0" err="1"/>
-              <a:t>wenning</a:t>
+              <a:t>overwenning</a:t>
             </a:r>
             <a:r>
               <a:rPr lang="nl-NL" dirty="0"/>
@@ -9282,14 +9321,6 @@
             <a:r>
               <a:rPr lang="en-US" dirty="0"/>
               <a:t> die </a:t>
-            </a:r>
-            <a:r>
-              <a:rPr lang="en-US" dirty="0" err="1"/>
-              <a:t>te</a:t>
-            </a:r>
-            <a:r>
-              <a:rPr lang="en-US" dirty="0"/>
-              <a:t> </a:t>
             </a:r>
             <a:r>
               <a:rPr lang="en-US" dirty="0" err="1"/>
@@ -11164,7 +11195,7 @@
             </a:pPr>
             <a:r>
               <a:rPr lang="nl-NL" dirty="0"/>
-              <a:t> Je kunt natuurlijk een groot verdeel stekker gebruiken, maar netter is om een dubbele wand te gebruiken en daar je stopcontacten en schakelaars op te bevestigen. De aansluitingen zitten dan in de dubbele wand. </a:t>
+              <a:t> Je kunt natuurlijk een grote verdeelstekker gebruiken, maar netter is om een dubbele wand te gebruiken en daar je stopcontacten en schakelaars op te bevestigen. De aansluitingen zitten dan in de dubbele wand. </a:t>
             </a:r>
           </a:p>
           <a:p>
@@ -11173,7 +11204,7 @@
             </a:pPr>
             <a:r>
               <a:rPr lang="nl-NL" dirty="0"/>
-              <a:t>Gebruik één schakelaar om alles in één uit te zetten(voor nood). Maak  stopcontacten voor de pomp / verwarming en zeker één extra. </a:t>
+              <a:t>Gebruik één schakelaar om alles in één uit te zetten(voor nood). Maak  stopcontacten voor de pomp / verwarming en zeker één extra paar voor de toekomst. </a:t>
             </a:r>
             <a:endParaRPr lang="en-US" dirty="0"/>
           </a:p>
@@ -13048,7 +13079,7 @@
         <p:spPr>
           <a:xfrm>
             <a:off x="3274059" y="6122441"/>
-            <a:ext cx="6391911" cy="646331"/>
+            <a:ext cx="8462221" cy="646331"/>
           </a:xfrm>
           <a:prstGeom prst="rect">
             <a:avLst/>
@@ -13068,7 +13099,7 @@
                   <a:srgbClr val="FF0000"/>
                 </a:solidFill>
               </a:rPr>
-              <a:t>PAS OP JE WERKT WEL MET 220 V (Als je niet vertrouwd laat voor het aansluiten controleren!!)</a:t>
+              <a:t>PAS OP JE WERKT WEL MET 220 V (Als je het niet vertrouwd laat deze voor het aansluiten controleren!!)</a:t>
             </a:r>
             <a:endParaRPr lang="en-US" dirty="0">
               <a:solidFill>
@@ -13308,7 +13339,7 @@
           <a:p>
             <a:r>
               <a:rPr lang="nl-NL" dirty="0"/>
-              <a:t>Bij het uitkiezen van een plek moet je opletten dat je het aquarium niet in direct zonlicht plaatst. Denk  na of de plek die je gekozen hebt ook genoeg ruimte heeft voor het onderhoud.(bv klep)</a:t>
+              <a:t>Bij het uitkiezen van een plek moet je opletten dat  het aquarium niet in direct zonlicht wordt geplaatst. Denk  na of de plek die je gekozen hebt ook genoeg ruimte heeft voor het onderhoud.(bv klep)</a:t>
             </a:r>
           </a:p>
           <a:p>
@@ -13368,7 +13399,15 @@
             </a:r>
             <a:r>
               <a:rPr lang="nl-NL" dirty="0"/>
-              <a:t> techniek. . Voor het aquarium gedeelte zelf  moet je beslissen of je een binnen filter wilt of niet (ik zelf wil dit niet i.v.m. onderhoud). De onderrand van het aquarium moet hoog genoeg zijn om de </a:t>
+              <a:t> techniek. . Voor het aquarium gedeelte zelf  moet je beslissen of je een </a:t>
+            </a:r>
+            <a:r>
+              <a:rPr lang="nl-NL" dirty="0" err="1"/>
+              <a:t>binnenfilter</a:t>
+            </a:r>
+            <a:r>
+              <a:rPr lang="nl-NL" dirty="0"/>
+              <a:t> wilt of niet (ik zelf wil dit niet i.v.m. onderhoud). De onderrand van het aquarium moet hoog genoeg zijn om de </a:t>
             </a:r>
             <a:r>
               <a:rPr lang="nl-NL" dirty="0">
@@ -13378,13 +13417,13 @@
             </a:r>
             <a:r>
               <a:rPr lang="nl-NL" dirty="0"/>
-              <a:t>te zien(NBAT keuring). De lichtkap moet nog genoeg ruimte hebben om eventueel nog een extra Led of Tl buis bij te plaatsen. Als je LED/TL buizen wilt gebruiken kijk dan of de kap standaard maten TL zijn( 150/120/90,60 cm). Als je led verlichting wilt bij plaatsen is er geen restrictie(bij de vereniging zijn te bestellen per cm)</a:t>
-            </a:r>
-          </a:p>
-          <a:p>
-            <a:r>
-              <a:rPr lang="nl-NL" dirty="0"/>
-              <a:t>Voor verwarming kun je kiezen of dat deze in je pomp(mijn voorkeur) zit of los in je aquarium . Je kunt ook kiezen voor </a:t>
+              <a:t>te zien(NBAT keuring). De lichtkap moet nog genoeg ruimte hebben om eventueel nog een extra Led of Tl buis bij kunnen te plaatsen. Als je LED/TL buizen wilt gebruiken kijk dan of de kap standaard maten TL zijn( 150/120/90,60 cm). Als je led verlichting wilt bij plaatsen is er geen restrictie(bij de vereniging zijn te bestellen per cm of zelf maken)</a:t>
+            </a:r>
+          </a:p>
+          <a:p>
+            <a:r>
+              <a:rPr lang="nl-NL" dirty="0"/>
+              <a:t>Voor verwarming kun je kiezen of  deze in je pomp(mijn voorkeur) zit of los in je aquarium . Je kunt ook kiezen voor </a:t>
             </a:r>
             <a:r>
               <a:rPr lang="nl-NL" dirty="0">
@@ -14240,7 +14279,7 @@
         </p:spPr>
         <p:txBody>
           <a:bodyPr>
-            <a:normAutofit fontScale="92500"/>
+            <a:normAutofit fontScale="92500" lnSpcReduction="10000"/>
           </a:bodyPr>
           <a:lstStyle/>
           <a:p>
@@ -14249,7 +14288,7 @@
             </a:pPr>
             <a:r>
               <a:rPr lang="nl-NL" dirty="0"/>
-              <a:t>Bij een kaal droog aquarium wordt nu eerst de </a:t>
+              <a:t>Bij een kaal droog aquarium worden eerst de </a:t>
             </a:r>
             <a:r>
               <a:rPr lang="nl-NL" dirty="0">
@@ -14269,7 +14308,7 @@
             </a:r>
             <a:r>
               <a:rPr lang="nl-NL" dirty="0"/>
-              <a:t>. Bij het plaatsen van de achterwand worden de kieren opgevuld met kit. Als dit niet goed doet maak je de kans dat je vissen/garnalen er achter kunnen komen.</a:t>
+              <a:t>. Bij het plaatsen van de achterwanden worden de kieren opgevuld met kit. Als je dit niet goed doet dan maak je de kans dat je vissen/garnalen er achter kunnen komen.</a:t>
             </a:r>
           </a:p>
           <a:p>
@@ -14278,7 +14317,7 @@
             </a:pPr>
             <a:r>
               <a:rPr lang="nl-NL" dirty="0"/>
-              <a:t>Als dit alles naar je wens is komt de vraag of je grote stenen (controleren met zoutzuur) gaat gebruiken(</a:t>
+              <a:t>Als alles naar  wens is komt de vraag of je grote stenen (controleren met zoutzuur) gaat gebruiken(</a:t>
             </a:r>
             <a:r>
               <a:rPr lang="nl-NL" dirty="0" err="1">
@@ -14294,7 +14333,7 @@
             </a:r>
             <a:r>
               <a:rPr lang="nl-NL" dirty="0"/>
-              <a:t>) dan is het raadzaam om eerst een dunne isolatie plaat neer te leggen ter bescherming van de bodem. De inrichting van je aquarium kun je ook doen met </a:t>
+              <a:t>) dan is het raadzaam om eerst een dunne isolatieplaat neer te leggen ter bescherming van de bodem. De inrichting van je aquarium kun je ook doen met </a:t>
             </a:r>
             <a:r>
               <a:rPr lang="nl-NL" dirty="0">
@@ -14416,7 +14455,15 @@
             </a:pPr>
             <a:r>
               <a:rPr lang="nl-NL" dirty="0"/>
-              <a:t>Nu gaan we onze planten plaatsen. De compositie laat ik weer aan je eigen inzicht over. Als je planten gaat kopen zorg er voor dat je naast de moeras planten ook echte waterplanten koopt.( echte water planten vallen om)</a:t>
+              <a:t>Nu gaan we onze planten plaatsen. De compositie laat ik weer aan je eigen inzicht over, maar je kan ook informatie vragen bij de landskampioen Jeroen </a:t>
+            </a:r>
+            <a:r>
+              <a:rPr lang="nl-NL" dirty="0" err="1"/>
+              <a:t>Poorte</a:t>
+            </a:r>
+            <a:r>
+              <a:rPr lang="nl-NL" dirty="0"/>
+              <a:t>. Als je planten gaat kopen zorg er voor dat je naast de moeras planten ook echte waterplanten koopt.( echte water planten vallen om)</a:t>
             </a:r>
           </a:p>
           <a:p>
@@ -14425,7 +14472,7 @@
             </a:pPr>
             <a:r>
               <a:rPr lang="nl-NL" dirty="0"/>
-              <a:t>Plaats een oude vaas/ mengbeker in het aquarium ,daar stop je de vulslang in en vul hier  je aquarium mee. En start  met proefdraaien van je aquarium. Na twee tot drie weken doe je een water test op Nitriet.</a:t>
+              <a:t>Plaats een oude vaas/ mengbeker in het aquarium ,daar stop je de vulslang erin en vul hier  je aquarium mee. En start  met proefdraaien van je aquarium. Na twee tot drie weken doe je een water test op Nitriet.</a:t>
             </a:r>
           </a:p>
         </p:txBody>
@@ -14519,7 +14566,7 @@
         </p:spPr>
         <p:txBody>
           <a:bodyPr>
-            <a:normAutofit fontScale="92500" lnSpcReduction="10000"/>
+            <a:normAutofit fontScale="92500" lnSpcReduction="20000"/>
           </a:bodyPr>
           <a:lstStyle/>
           <a:p>
@@ -14541,7 +14588,7 @@
           <a:p>
             <a:r>
               <a:rPr lang="nl-NL" dirty="0"/>
-              <a:t>Wij zien kleur doordat een voorwerp  dat deel van het zonlicht terugkaatst. Dus als we naar onze planten in het aquarium kijken dan zien wij bv groen dit wil dus zeggen, dat van alle kleuren van het licht, kaatst hij groen terug. De kleuren wit kaatst al het zonlicht terug en zwart kaatst niets terug.(licht is ook een vorm van energie)</a:t>
+              <a:t>Wij zien kleur doordat een voorwerp  dat deel van het zonlicht terugkaatst. Dus als we naar onze planten in het aquarium kijken dan zien wij bv groen dit wil dus zeggen, dat van alle kleuren van het licht, kaatst de plant groen terug. De kleur wit kaatst al het zonlicht terug en zwart kaatst niets terug.(licht is een vorm van energie)</a:t>
             </a:r>
           </a:p>
           <a:p>
@@ -14553,7 +14600,7 @@
           <a:p>
             <a:r>
               <a:rPr lang="nl-NL" dirty="0"/>
-              <a:t>De slager zal ook warme kleuren gebruiken  en de groenteman zal juist meer  de wittere kleuren kiezen.</a:t>
+              <a:t>De slager zal de warme kleuren gebruiken om het vlees mooi rood te laten kleuren en de groenteman zal juist meer  de wittere kleuren kiezen om de groente er fris  uit te laten zien.</a:t>
             </a:r>
           </a:p>
           <a:p>
@@ -14565,7 +14612,7 @@
           <a:p>
             <a:r>
               <a:rPr lang="nl-NL" dirty="0"/>
-              <a:t>Voor een aquarium is een mengeling van warme en wittere tinten het beste. De  </a:t>
+              <a:t>Voor een aquarium is een mengeling van warme en witte tinten het beste. De  </a:t>
             </a:r>
             <a:r>
               <a:rPr lang="nl-NL" dirty="0" err="1"/>
@@ -14579,7 +14626,7 @@
           <a:p>
             <a:r>
               <a:rPr lang="nl-NL" dirty="0"/>
-              <a:t>Heb je nog tl buizen dan is het raadzaam om over te stappen naar een  </a:t>
+              <a:t>Heb je nog TL buizen dan is het raadzaam om over te stappen naar een  </a:t>
             </a:r>
             <a:r>
               <a:rPr lang="nl-NL" dirty="0">
@@ -14589,15 +14636,7 @@
             </a:r>
             <a:r>
               <a:rPr lang="nl-NL" dirty="0"/>
-              <a:t>. Nadeel van Led TL is dat deze niet(nu) </a:t>
-            </a:r>
-            <a:r>
-              <a:rPr lang="nl-NL" dirty="0" err="1"/>
-              <a:t>dimbaar</a:t>
-            </a:r>
-            <a:r>
-              <a:rPr lang="nl-NL" dirty="0"/>
-              <a:t> zijn.</a:t>
+              <a:t>. Nadeel van Led TL is dat deze niet(nu) dim baar zijn.</a:t>
             </a:r>
           </a:p>
           <a:p>
@@ -14715,7 +14754,7 @@
         </p:spPr>
         <p:txBody>
           <a:bodyPr>
-            <a:normAutofit fontScale="92500" lnSpcReduction="10000"/>
+            <a:normAutofit lnSpcReduction="10000"/>
           </a:bodyPr>
           <a:lstStyle/>
           <a:p>
@@ -14724,7 +14763,7 @@
             </a:pPr>
             <a:r>
               <a:rPr lang="nl-NL" dirty="0"/>
-              <a:t>Het filter in het aquarium heeft en cruciale rol. Wanneer een filter niet werkt dan zal dat zeker tot sterfte lijden onder je vissen en garnalen. De meest gemaakte fout is, te denken dat het filter alleen het vuil uit het aquariumwater </a:t>
+              <a:t>Het filter in het aquarium heeft en belangrijke rol. Wanneer een filter niet werkt, dan zal dat zeker tot sterfte lijden onder je vissen en garnalen. De meest gemaakte fout is, te denken dat het filter alleen het vuil uit het aquariumwater </a:t>
             </a:r>
             <a:r>
               <a:rPr lang="nl-NL" dirty="0" err="1"/>
@@ -14732,7 +14771,7 @@
             </a:r>
             <a:r>
               <a:rPr lang="nl-NL" dirty="0"/>
-              <a:t>. Dit is ten dele waar, maar er is een veel belangrijker rol weggelegd. Het filter speelt namelijk een belangrijke rol in het verwijderen van het </a:t>
+              <a:t>. Dit is ten dele waar. Want de belangrijkste rol is het verwijderen van het </a:t>
             </a:r>
             <a:r>
               <a:rPr lang="nl-NL" dirty="0">
@@ -14779,7 +14818,7 @@
             </a:r>
             <a:r>
               <a:rPr lang="nl-NL" dirty="0"/>
-              <a:t> etc. De poreuze materialen zorgen er voor dat de goede bacteriën zich kunnen vestigen. Als laatste deel van het filter worden de filter watten gebruikt. Om je filter op te starten kun je een  </a:t>
+              <a:t> etc. De poreuze materialen zorgen er voor dat de goede bacteriën zich kunnen vestigen. Als laatste deel van het filter worden de filterwatten gebruikt. Om je filter op te starten kun je een  </a:t>
             </a:r>
             <a:r>
               <a:rPr lang="nl-NL" dirty="0">
@@ -14958,7 +14997,7 @@
         </p:spPr>
         <p:txBody>
           <a:bodyPr>
-            <a:normAutofit lnSpcReduction="10000"/>
+            <a:normAutofit fontScale="92500" lnSpcReduction="10000"/>
           </a:bodyPr>
           <a:lstStyle/>
           <a:p>
@@ -14967,7 +15006,7 @@
             </a:pPr>
             <a:r>
               <a:rPr lang="nl-NL" dirty="0"/>
-              <a:t>Van water kunnen we twee belangrijke waarden onderscheiden namelijk de PH en KH waarde.</a:t>
+              <a:t>Van water kunnen we twee belangrijke waarden onderscheiden voor onze planten namelijk de PH en KH waarde.</a:t>
             </a:r>
           </a:p>
           <a:p>
@@ -15027,7 +15066,15 @@
             </a:r>
             <a:r>
               <a:rPr lang="nl-NL" dirty="0"/>
-              <a:t>) hardheid zorgt voor een buffer (zuurbindend) in het aquarium Deze twee waarden hebben dus invloed op elkaar. Deze twee waarde zijn in mijn ogen de belangrijkste waarde van je aquarium </a:t>
+              <a:t>) hardheid zorgt voor een buffer (zuurbindend) in het aquarium Deze twee waarden hebben dus invloed op elkaar. Deze twee waarde zijn in mijn ogen de belangrijkste waarde van je aquarium dus een test setje van deze waarde zouden niet moeten ontbreken. Zeker als je C0</a:t>
+            </a:r>
+            <a:r>
+              <a:rPr lang="nl-NL" baseline="-25000" dirty="0"/>
+              <a:t>2</a:t>
+            </a:r>
+            <a:r>
+              <a:rPr lang="nl-NL" dirty="0"/>
+              <a:t>  bemesting via een computer laat regelen.</a:t>
             </a:r>
           </a:p>
           <a:p>
@@ -15056,7 +15103,27 @@
                 <a:effectLst/>
                 <a:latin typeface="Roboto" panose="02000000000000000000" pitchFamily="2" charset="0"/>
               </a:rPr>
-              <a:t>GH geeft weer hoeveel Magnesium en Calcium </a:t>
+              <a:t>GH waarde (dus de </a:t>
+            </a:r>
+            <a:r>
+              <a:rPr lang="nl-NL" i="0" dirty="0" err="1">
+                <a:solidFill>
+                  <a:srgbClr val="111111"/>
+                </a:solidFill>
+                <a:effectLst/>
+                <a:latin typeface="Roboto" panose="02000000000000000000" pitchFamily="2" charset="0"/>
+              </a:rPr>
+              <a:t>harheid</a:t>
+            </a:r>
+            <a:r>
+              <a:rPr lang="nl-NL" i="0" dirty="0">
+                <a:solidFill>
+                  <a:srgbClr val="111111"/>
+                </a:solidFill>
+                <a:effectLst/>
+                <a:latin typeface="Roboto" panose="02000000000000000000" pitchFamily="2" charset="0"/>
+              </a:rPr>
+              <a:t> ) geeft weer hoeveel Magnesium en Calcium </a:t>
             </a:r>
             <a:r>
               <a:rPr lang="nl-NL" b="0" i="0" dirty="0">
@@ -15223,12 +15290,12 @@
         <p:spPr>
           <a:xfrm>
             <a:off x="581192" y="1518082"/>
-            <a:ext cx="11029615" cy="4457268"/>
+            <a:ext cx="11029615" cy="4882718"/>
           </a:xfrm>
         </p:spPr>
         <p:txBody>
           <a:bodyPr>
-            <a:normAutofit fontScale="92500" lnSpcReduction="20000"/>
+            <a:normAutofit fontScale="92500" lnSpcReduction="10000"/>
           </a:bodyPr>
           <a:lstStyle/>
           <a:p>
@@ -15245,7 +15312,7 @@
             </a:r>
             <a:r>
               <a:rPr lang="nl-NL" dirty="0"/>
-              <a:t>) dan worden pas de garnalen en vissen toegevoegd. Als je beide wil gaan houden dan is het raadzaam om eerst garnalen te kopen en een week later pas de vissen. De garnalen hebben dan genoeg  tijd gehad om het aquarium te verkennen en schuilplekjes te zoeken. </a:t>
+              <a:t>), dan worden pas de garnalen en vissen toegevoegd. Als je beide wil gaan houden dan is het raadzaam om eerst garnalen te kopen en een week later pas de vissen. De garnalen hebben dan genoeg  tijd gehad om het aquarium te verkennen en schuilplekjes te zoeken. </a:t>
             </a:r>
           </a:p>
           <a:p>
@@ -15302,15 +15369,6 @@
             </a:pPr>
             <a:r>
               <a:rPr lang="nl-NL" dirty="0"/>
-              <a:t>Vissen en garnalen zijn levende wezens dus behandel ze dan ook met respect. </a:t>
-            </a:r>
-          </a:p>
-          <a:p>
-            <a:pPr marL="0" indent="0">
-              <a:buNone/>
-            </a:pPr>
-            <a:r>
-              <a:rPr lang="nl-NL" dirty="0"/>
               <a:t>Garnalen zijn alleseters (houden je aquarium schoon) Voer extra door stukje komkommer /paprika etc. of een </a:t>
             </a:r>
             <a:r>
@@ -15322,6 +15380,15 @@
             <a:r>
               <a:rPr lang="nl-NL" dirty="0"/>
               <a:t> . </a:t>
+            </a:r>
+          </a:p>
+          <a:p>
+            <a:pPr marL="0" indent="0">
+              <a:buNone/>
+            </a:pPr>
+            <a:r>
+              <a:rPr lang="nl-NL" dirty="0"/>
+              <a:t>Vissen en garnalen zijn levende wezens dus behandel ze dan ook met respect. </a:t>
             </a:r>
           </a:p>
           <a:p>
@@ -15465,15 +15532,7 @@
             </a:r>
             <a:r>
               <a:rPr lang="nl-NL" dirty="0"/>
-              <a:t>) vrij.  Groenten en vlees  </a:t>
-            </a:r>
-            <a:r>
-              <a:rPr lang="nl-NL" dirty="0" err="1"/>
-              <a:t>komem</a:t>
-            </a:r>
-            <a:r>
-              <a:rPr lang="nl-NL" dirty="0"/>
-              <a:t> dus uiteindelijk van onze planten en bomen en zijn de voorwaarde voor het leven op onze planeet, met de zon als de leverancier van de energie. </a:t>
+              <a:t>) vrij.  Ons vlees  komt dus uiteindelijk van onze planten en bomen en zijn de voorwaarde voor het leven op onze planeet, met de zon als de leverancier van de energie. </a:t>
             </a:r>
           </a:p>
           <a:p>
@@ -15482,7 +15541,7 @@
             </a:pPr>
             <a:r>
               <a:rPr lang="nl-NL" dirty="0"/>
-              <a:t>Alle andere dieren/mensen eten de planten en of het vlees en zetten dit weer om in water en koolzuurgas bij uitademen en daardoor groeien we. Het is dus belangrijk dat deze cyclus niet uit balans raakt. </a:t>
+              <a:t>Alle andere dieren/mensen eten de planten en of het vlees en zetten dit weer om in water(damp) en koolzuurgas bij uitademen en daardoor groeien we. Het is dus belangrijk dat deze cyclus niet uit balans raakt. </a:t>
             </a:r>
           </a:p>
           <a:p>
@@ -16060,7 +16119,7 @@
                 </a:solidFill>
                 <a:latin typeface="Helvetica Neue"/>
               </a:rPr>
-              <a:t> er  </a:t>
+              <a:t> er </a:t>
             </a:r>
             <a:r>
               <a:rPr lang="en-US" sz="2400" baseline="-25000" dirty="0" err="1">
@@ -16069,6 +16128,24 @@
                 </a:solidFill>
                 <a:latin typeface="Helvetica Neue"/>
               </a:rPr>
+              <a:t>verschillende</a:t>
+            </a:r>
+            <a:r>
+              <a:rPr lang="en-US" sz="2400" baseline="-25000" dirty="0">
+                <a:solidFill>
+                  <a:schemeClr val="tx1"/>
+                </a:solidFill>
+                <a:latin typeface="Helvetica Neue"/>
+              </a:rPr>
+              <a:t> </a:t>
+            </a:r>
+            <a:r>
+              <a:rPr lang="en-US" sz="2400" baseline="-25000" dirty="0" err="1">
+                <a:solidFill>
+                  <a:schemeClr val="tx1"/>
+                </a:solidFill>
+                <a:latin typeface="Helvetica Neue"/>
+              </a:rPr>
               <a:t>plantenvoedingen</a:t>
             </a:r>
             <a:r>
@@ -16182,7 +16259,7 @@
                 </a:solidFill>
                 <a:latin typeface="Helvetica Neue"/>
               </a:rPr>
-              <a:t>Maar pas op </a:t>
+              <a:t>Maar pas </a:t>
             </a:r>
             <a:r>
               <a:rPr lang="en-US" sz="2400" baseline="-25000" dirty="0" err="1">
@@ -16191,7 +16268,7 @@
                 </a:solidFill>
                 <a:latin typeface="Helvetica Neue"/>
               </a:rPr>
-              <a:t>als</a:t>
+              <a:t>opbij</a:t>
             </a:r>
             <a:r>
               <a:rPr lang="en-US" sz="2400" baseline="-25000" dirty="0">
@@ -16200,7 +16277,7 @@
                 </a:solidFill>
                 <a:latin typeface="Helvetica Neue"/>
               </a:rPr>
-              <a:t> het </a:t>
+              <a:t> </a:t>
             </a:r>
             <a:r>
               <a:rPr lang="en-US" sz="2400" baseline="-25000" dirty="0" err="1">
@@ -16209,7 +16286,7 @@
                 </a:solidFill>
                 <a:latin typeface="Helvetica Neue"/>
               </a:rPr>
-              <a:t>bovenstaande</a:t>
+              <a:t>slechte</a:t>
             </a:r>
             <a:r>
               <a:rPr lang="en-US" sz="2400" baseline="-25000" dirty="0">
@@ -16227,43 +16304,7 @@
                 </a:solidFill>
                 <a:latin typeface="Helvetica Neue"/>
               </a:rPr>
-              <a:t>niet</a:t>
-            </a:r>
-            <a:r>
-              <a:rPr lang="en-US" sz="2400" baseline="-25000" dirty="0">
-                <a:solidFill>
-                  <a:schemeClr val="tx1"/>
-                </a:solidFill>
-                <a:latin typeface="Helvetica Neue"/>
-              </a:rPr>
-              <a:t> </a:t>
-            </a:r>
-            <a:r>
-              <a:rPr lang="en-US" sz="2400" baseline="-25000" dirty="0" err="1">
-                <a:solidFill>
-                  <a:schemeClr val="tx1"/>
-                </a:solidFill>
-                <a:latin typeface="Helvetica Neue"/>
-              </a:rPr>
-              <a:t>goed</a:t>
-            </a:r>
-            <a:r>
-              <a:rPr lang="en-US" sz="2400" baseline="-25000" dirty="0">
-                <a:solidFill>
-                  <a:schemeClr val="tx1"/>
-                </a:solidFill>
-                <a:latin typeface="Helvetica Neue"/>
-              </a:rPr>
-              <a:t> </a:t>
-            </a:r>
-            <a:r>
-              <a:rPr lang="en-US" sz="2400" baseline="-25000" dirty="0" err="1">
-                <a:solidFill>
-                  <a:schemeClr val="tx1"/>
-                </a:solidFill>
-                <a:latin typeface="Helvetica Neue"/>
-              </a:rPr>
-              <a:t>werkt</a:t>
+              <a:t>plantengroei</a:t>
             </a:r>
             <a:r>
               <a:rPr lang="en-US" sz="2400" baseline="-25000" dirty="0">
@@ -17812,16 +17853,16 @@
 <file path=customXml/itemProps2.xml><?xml version="1.0" encoding="utf-8"?>
 <ds:datastoreItem xmlns:ds="http://schemas.openxmlformats.org/officeDocument/2006/customXml" ds:itemID="{3A6D3478-2986-4664-940C-67E0CAA21E04}">
   <ds:schemaRefs>
-    <ds:schemaRef ds:uri="http://purl.org/dc/dcmitype/"/>
     <ds:schemaRef ds:uri="http://schemas.openxmlformats.org/package/2006/metadata/core-properties"/>
+    <ds:schemaRef ds:uri="http://www.w3.org/XML/1998/namespace"/>
+    <ds:schemaRef ds:uri="http://schemas.microsoft.com/office/2006/documentManagement/types"/>
+    <ds:schemaRef ds:uri="http://purl.org/dc/elements/1.1/"/>
+    <ds:schemaRef ds:uri="http://schemas.microsoft.com/office/infopath/2007/PartnerControls"/>
     <ds:schemaRef ds:uri="http://schemas.microsoft.com/office/2006/metadata/properties"/>
-    <ds:schemaRef ds:uri="http://purl.org/dc/elements/1.1/"/>
-    <ds:schemaRef ds:uri="http://schemas.microsoft.com/office/2006/documentManagement/types"/>
-    <ds:schemaRef ds:uri="71af3243-3dd4-4a8d-8c0d-dd76da1f02a5"/>
-    <ds:schemaRef ds:uri="http://www.w3.org/XML/1998/namespace"/>
-    <ds:schemaRef ds:uri="http://schemas.microsoft.com/office/infopath/2007/PartnerControls"/>
     <ds:schemaRef ds:uri="16c05727-aa75-4e4a-9b5f-8a80a1165891"/>
     <ds:schemaRef ds:uri="http://purl.org/dc/terms/"/>
+    <ds:schemaRef ds:uri="71af3243-3dd4-4a8d-8c0d-dd76da1f02a5"/>
+    <ds:schemaRef ds:uri="http://purl.org/dc/dcmitype/"/>
   </ds:schemaRefs>
 </ds:datastoreItem>
 </file>
